--- a/slides/loops.pptx
+++ b/slides/loops.pptx
@@ -5,7 +5,7 @@
     <p:sldMasterId id="2147483648" r:id="rId1"/>
   </p:sldMasterIdLst>
   <p:notesMasterIdLst>
-    <p:notesMasterId r:id="rId12"/>
+    <p:notesMasterId r:id="rId13"/>
   </p:notesMasterIdLst>
   <p:sldIdLst>
     <p:sldId id="268" r:id="rId2"/>
@@ -18,6 +18,7 @@
     <p:sldId id="262" r:id="rId9"/>
     <p:sldId id="265" r:id="rId10"/>
     <p:sldId id="263" r:id="rId11"/>
+    <p:sldId id="270" r:id="rId12"/>
   </p:sldIdLst>
   <p:sldSz cx="12192000" cy="6858000"/>
   <p:notesSz cx="6858000" cy="9144000"/>
@@ -206,7 +207,7 @@
           <a:p>
             <a:fld id="{6978DE08-371B-4E89-B6C3-7244EE91EC75}" type="datetimeFigureOut">
               <a:rPr lang="fa-IR" smtClean="0"/>
-              <a:t>1441/08/15</a:t>
+              <a:t>1441/08/16</a:t>
             </a:fld>
             <a:endParaRPr lang="fa-IR"/>
           </a:p>
@@ -689,7 +690,7 @@
           <a:p>
             <a:fld id="{46CFD6DE-DFA3-49F5-9421-130F8912D9B3}" type="datetimeFigureOut">
               <a:rPr lang="fa-IR" smtClean="0"/>
-              <a:t>1441/08/15</a:t>
+              <a:t>1441/08/16</a:t>
             </a:fld>
             <a:endParaRPr lang="fa-IR"/>
           </a:p>
@@ -859,7 +860,7 @@
           <a:p>
             <a:fld id="{46CFD6DE-DFA3-49F5-9421-130F8912D9B3}" type="datetimeFigureOut">
               <a:rPr lang="fa-IR" smtClean="0"/>
-              <a:t>1441/08/15</a:t>
+              <a:t>1441/08/16</a:t>
             </a:fld>
             <a:endParaRPr lang="fa-IR"/>
           </a:p>
@@ -1039,7 +1040,7 @@
           <a:p>
             <a:fld id="{46CFD6DE-DFA3-49F5-9421-130F8912D9B3}" type="datetimeFigureOut">
               <a:rPr lang="fa-IR" smtClean="0"/>
-              <a:t>1441/08/15</a:t>
+              <a:t>1441/08/16</a:t>
             </a:fld>
             <a:endParaRPr lang="fa-IR"/>
           </a:p>
@@ -1209,7 +1210,7 @@
           <a:p>
             <a:fld id="{46CFD6DE-DFA3-49F5-9421-130F8912D9B3}" type="datetimeFigureOut">
               <a:rPr lang="fa-IR" smtClean="0"/>
-              <a:t>1441/08/15</a:t>
+              <a:t>1441/08/16</a:t>
             </a:fld>
             <a:endParaRPr lang="fa-IR"/>
           </a:p>
@@ -1455,7 +1456,7 @@
           <a:p>
             <a:fld id="{46CFD6DE-DFA3-49F5-9421-130F8912D9B3}" type="datetimeFigureOut">
               <a:rPr lang="fa-IR" smtClean="0"/>
-              <a:t>1441/08/15</a:t>
+              <a:t>1441/08/16</a:t>
             </a:fld>
             <a:endParaRPr lang="fa-IR"/>
           </a:p>
@@ -1687,7 +1688,7 @@
           <a:p>
             <a:fld id="{46CFD6DE-DFA3-49F5-9421-130F8912D9B3}" type="datetimeFigureOut">
               <a:rPr lang="fa-IR" smtClean="0"/>
-              <a:t>1441/08/15</a:t>
+              <a:t>1441/08/16</a:t>
             </a:fld>
             <a:endParaRPr lang="fa-IR"/>
           </a:p>
@@ -2054,7 +2055,7 @@
           <a:p>
             <a:fld id="{46CFD6DE-DFA3-49F5-9421-130F8912D9B3}" type="datetimeFigureOut">
               <a:rPr lang="fa-IR" smtClean="0"/>
-              <a:t>1441/08/15</a:t>
+              <a:t>1441/08/16</a:t>
             </a:fld>
             <a:endParaRPr lang="fa-IR"/>
           </a:p>
@@ -2172,7 +2173,7 @@
           <a:p>
             <a:fld id="{46CFD6DE-DFA3-49F5-9421-130F8912D9B3}" type="datetimeFigureOut">
               <a:rPr lang="fa-IR" smtClean="0"/>
-              <a:t>1441/08/15</a:t>
+              <a:t>1441/08/16</a:t>
             </a:fld>
             <a:endParaRPr lang="fa-IR"/>
           </a:p>
@@ -2267,7 +2268,7 @@
           <a:p>
             <a:fld id="{46CFD6DE-DFA3-49F5-9421-130F8912D9B3}" type="datetimeFigureOut">
               <a:rPr lang="fa-IR" smtClean="0"/>
-              <a:t>1441/08/15</a:t>
+              <a:t>1441/08/16</a:t>
             </a:fld>
             <a:endParaRPr lang="fa-IR"/>
           </a:p>
@@ -2544,7 +2545,7 @@
           <a:p>
             <a:fld id="{46CFD6DE-DFA3-49F5-9421-130F8912D9B3}" type="datetimeFigureOut">
               <a:rPr lang="fa-IR" smtClean="0"/>
-              <a:t>1441/08/15</a:t>
+              <a:t>1441/08/16</a:t>
             </a:fld>
             <a:endParaRPr lang="fa-IR"/>
           </a:p>
@@ -2797,7 +2798,7 @@
           <a:p>
             <a:fld id="{46CFD6DE-DFA3-49F5-9421-130F8912D9B3}" type="datetimeFigureOut">
               <a:rPr lang="fa-IR" smtClean="0"/>
-              <a:t>1441/08/15</a:t>
+              <a:t>1441/08/16</a:t>
             </a:fld>
             <a:endParaRPr lang="fa-IR"/>
           </a:p>
@@ -3010,7 +3011,7 @@
           <a:p>
             <a:fld id="{46CFD6DE-DFA3-49F5-9421-130F8912D9B3}" type="datetimeFigureOut">
               <a:rPr lang="fa-IR" smtClean="0"/>
-              <a:t>1441/08/15</a:t>
+              <a:t>1441/08/16</a:t>
             </a:fld>
             <a:endParaRPr lang="fa-IR"/>
           </a:p>
@@ -3457,15 +3458,6 @@
               </a:rPr>
               <a:t>	</a:t>
             </a:r>
-            <a:endParaRPr lang="en-US" dirty="0" smtClean="0">
-              <a:solidFill>
-                <a:schemeClr val="accent6">
-                  <a:lumMod val="50000"/>
-                </a:schemeClr>
-              </a:solidFill>
-              <a:latin typeface="Adobe Gothic Std B" panose="020B0800000000000000" pitchFamily="34" charset="-128"/>
-              <a:ea typeface="Adobe Gothic Std B" panose="020B0800000000000000" pitchFamily="34" charset="-128"/>
-            </a:endParaRPr>
           </a:p>
           <a:p>
             <a:pPr>
@@ -3567,16 +3559,6 @@
               </a:rPr>
               <a:t> 		</a:t>
             </a:r>
-            <a:endParaRPr lang="en-US" dirty="0" smtClean="0">
-              <a:solidFill>
-                <a:schemeClr val="tx1">
-                  <a:lumMod val="95000"/>
-                  <a:lumOff val="5000"/>
-                </a:schemeClr>
-              </a:solidFill>
-              <a:latin typeface="Adobe Gothic Std B" panose="020B0800000000000000" pitchFamily="34" charset="-128"/>
-              <a:ea typeface="Adobe Gothic Std B" panose="020B0800000000000000" pitchFamily="34" charset="-128"/>
-            </a:endParaRPr>
           </a:p>
           <a:p>
             <a:pPr>
@@ -3611,20 +3593,7 @@
                 <a:latin typeface="Adobe Gothic Std B" panose="020B0800000000000000" pitchFamily="34" charset="-128"/>
                 <a:ea typeface="Adobe Gothic Std B" panose="020B0800000000000000" pitchFamily="34" charset="-128"/>
               </a:rPr>
-              <a:t> </a:t>
-            </a:r>
-            <a:r>
-              <a:rPr lang="en-US" sz="2000" dirty="0" smtClean="0">
-                <a:solidFill>
-                  <a:schemeClr val="tx1">
-                    <a:lumMod val="95000"/>
-                    <a:lumOff val="5000"/>
-                  </a:schemeClr>
-                </a:solidFill>
-                <a:latin typeface="Adobe Gothic Std B" panose="020B0800000000000000" pitchFamily="34" charset="-128"/>
-                <a:ea typeface="Adobe Gothic Std B" panose="020B0800000000000000" pitchFamily="34" charset="-128"/>
-              </a:rPr>
-              <a:t>Candidate @ IAUM</a:t>
+              <a:t> Candidate @ IAUM</a:t>
             </a:r>
           </a:p>
           <a:p>
@@ -4160,6 +4129,436 @@
     <p:extLst>
       <p:ext uri="{BB962C8B-B14F-4D97-AF65-F5344CB8AC3E}">
         <p14:creationId xmlns:p14="http://schemas.microsoft.com/office/powerpoint/2010/main" val="3860208492"/>
+      </p:ext>
+    </p:extLst>
+  </p:cSld>
+  <p:clrMapOvr>
+    <a:masterClrMapping/>
+  </p:clrMapOvr>
+  <p:timing>
+    <p:tnLst>
+      <p:par>
+        <p:cTn id="1" dur="indefinite" restart="never" nodeType="tmRoot"/>
+      </p:par>
+    </p:tnLst>
+  </p:timing>
+</p:sld>
+</file>
+
+<file path=ppt/slides/slide11.xml><?xml version="1.0" encoding="utf-8"?>
+<p:sld xmlns:a="http://schemas.openxmlformats.org/drawingml/2006/main" xmlns:r="http://schemas.openxmlformats.org/officeDocument/2006/relationships" xmlns:p="http://schemas.openxmlformats.org/presentationml/2006/main">
+  <p:cSld>
+    <p:spTree>
+      <p:nvGrpSpPr>
+        <p:cNvPr id="1" name=""/>
+        <p:cNvGrpSpPr/>
+        <p:nvPr/>
+      </p:nvGrpSpPr>
+      <p:grpSpPr>
+        <a:xfrm>
+          <a:off x="0" y="0"/>
+          <a:ext cx="0" cy="0"/>
+          <a:chOff x="0" y="0"/>
+          <a:chExt cx="0" cy="0"/>
+        </a:xfrm>
+      </p:grpSpPr>
+      <p:sp>
+        <p:nvSpPr>
+          <p:cNvPr id="2" name="Title 1"/>
+          <p:cNvSpPr>
+            <a:spLocks noGrp="1"/>
+          </p:cNvSpPr>
+          <p:nvPr>
+            <p:ph type="title"/>
+          </p:nvPr>
+        </p:nvSpPr>
+        <p:spPr>
+          <a:xfrm>
+            <a:off x="236035" y="0"/>
+            <a:ext cx="10515600" cy="975943"/>
+          </a:xfrm>
+        </p:spPr>
+        <p:txBody>
+          <a:bodyPr>
+            <a:normAutofit/>
+          </a:bodyPr>
+          <a:lstStyle/>
+          <a:p>
+            <a:r>
+              <a:rPr lang="en-US" sz="3600" dirty="0" smtClean="0">
+                <a:solidFill>
+                  <a:schemeClr val="accent6">
+                    <a:lumMod val="50000"/>
+                  </a:schemeClr>
+                </a:solidFill>
+                <a:latin typeface="Adobe Gothic Std B" panose="020B0800000000000000" pitchFamily="34" charset="-128"/>
+                <a:ea typeface="Adobe Gothic Std B" panose="020B0800000000000000" pitchFamily="34" charset="-128"/>
+              </a:rPr>
+              <a:t>Loop</a:t>
+            </a:r>
+            <a:endParaRPr lang="fa-IR" sz="3600" dirty="0">
+              <a:solidFill>
+                <a:schemeClr val="accent6">
+                  <a:lumMod val="50000"/>
+                </a:schemeClr>
+              </a:solidFill>
+              <a:latin typeface="Adobe Gothic Std B" panose="020B0800000000000000" pitchFamily="34" charset="-128"/>
+              <a:ea typeface="Adobe Gothic Std B" panose="020B0800000000000000" pitchFamily="34" charset="-128"/>
+            </a:endParaRPr>
+          </a:p>
+        </p:txBody>
+      </p:sp>
+      <p:sp>
+        <p:nvSpPr>
+          <p:cNvPr id="19" name="Flowchart: Sequential Access Storage 18"/>
+          <p:cNvSpPr/>
+          <p:nvPr/>
+        </p:nvSpPr>
+        <p:spPr>
+          <a:xfrm>
+            <a:off x="11151" y="4817326"/>
+            <a:ext cx="2062976" cy="2040673"/>
+          </a:xfrm>
+          <a:prstGeom prst="flowChartMagneticTape">
+            <a:avLst/>
+          </a:prstGeom>
+          <a:ln>
+            <a:noFill/>
+          </a:ln>
+        </p:spPr>
+        <p:style>
+          <a:lnRef idx="2">
+            <a:schemeClr val="accent6">
+              <a:shade val="50000"/>
+            </a:schemeClr>
+          </a:lnRef>
+          <a:fillRef idx="1">
+            <a:schemeClr val="accent6"/>
+          </a:fillRef>
+          <a:effectRef idx="0">
+            <a:schemeClr val="accent6"/>
+          </a:effectRef>
+          <a:fontRef idx="minor">
+            <a:schemeClr val="lt1"/>
+          </a:fontRef>
+        </p:style>
+        <p:txBody>
+          <a:bodyPr rtlCol="1" anchor="ctr"/>
+          <a:lstStyle/>
+          <a:p>
+            <a:pPr algn="ctr"/>
+            <a:endParaRPr lang="fa-IR"/>
+          </a:p>
+        </p:txBody>
+      </p:sp>
+      <p:pic>
+        <p:nvPicPr>
+          <p:cNvPr id="12" name="Content Placeholder 11"/>
+          <p:cNvPicPr>
+            <a:picLocks noGrp="1" noChangeAspect="1"/>
+          </p:cNvPicPr>
+          <p:nvPr>
+            <p:ph idx="1"/>
+          </p:nvPr>
+        </p:nvPicPr>
+        <p:blipFill>
+          <a:blip r:embed="rId2" cstate="print">
+            <a:extLst>
+              <a:ext uri="{28A0092B-C50C-407E-A947-70E740481C1C}">
+                <a14:useLocalDpi xmlns:a14="http://schemas.microsoft.com/office/drawing/2010/main" val="0"/>
+              </a:ext>
+            </a:extLst>
+          </a:blip>
+          <a:stretch>
+            <a:fillRect/>
+          </a:stretch>
+        </p:blipFill>
+        <p:spPr>
+          <a:xfrm>
+            <a:off x="373568" y="5168589"/>
+            <a:ext cx="1405052" cy="1405052"/>
+          </a:xfrm>
+        </p:spPr>
+      </p:pic>
+      <p:sp>
+        <p:nvSpPr>
+          <p:cNvPr id="20" name="Rectangle 19"/>
+          <p:cNvSpPr/>
+          <p:nvPr/>
+        </p:nvSpPr>
+        <p:spPr>
+          <a:xfrm>
+            <a:off x="1595708" y="6434254"/>
+            <a:ext cx="10596292" cy="423745"/>
+          </a:xfrm>
+          <a:prstGeom prst="rect">
+            <a:avLst/>
+          </a:prstGeom>
+          <a:ln>
+            <a:noFill/>
+          </a:ln>
+        </p:spPr>
+        <p:style>
+          <a:lnRef idx="2">
+            <a:schemeClr val="accent6">
+              <a:shade val="50000"/>
+            </a:schemeClr>
+          </a:lnRef>
+          <a:fillRef idx="1">
+            <a:schemeClr val="accent6"/>
+          </a:fillRef>
+          <a:effectRef idx="0">
+            <a:schemeClr val="accent6"/>
+          </a:effectRef>
+          <a:fontRef idx="minor">
+            <a:schemeClr val="lt1"/>
+          </a:fontRef>
+        </p:style>
+        <p:txBody>
+          <a:bodyPr rtlCol="1" anchor="ctr"/>
+          <a:lstStyle/>
+          <a:p>
+            <a:pPr algn="ctr"/>
+            <a:endParaRPr lang="fa-IR"/>
+          </a:p>
+        </p:txBody>
+      </p:sp>
+      <p:sp>
+        <p:nvSpPr>
+          <p:cNvPr id="22" name="Slide Number Placeholder 21"/>
+          <p:cNvSpPr>
+            <a:spLocks noGrp="1"/>
+          </p:cNvSpPr>
+          <p:nvPr>
+            <p:ph type="sldNum" sz="quarter" idx="12"/>
+          </p:nvPr>
+        </p:nvSpPr>
+        <p:spPr>
+          <a:xfrm>
+            <a:off x="11713579" y="6541189"/>
+            <a:ext cx="311551" cy="365125"/>
+          </a:xfrm>
+        </p:spPr>
+        <p:txBody>
+          <a:bodyPr/>
+          <a:lstStyle/>
+          <a:p>
+            <a:fld id="{86A028B1-8A4C-4B76-AB7F-D607D9C05CCB}" type="slidenum">
+              <a:rPr lang="fa-IR" sz="2000" b="1" smtClean="0">
+                <a:solidFill>
+                  <a:schemeClr val="accent6">
+                    <a:lumMod val="50000"/>
+                  </a:schemeClr>
+                </a:solidFill>
+                <a:cs typeface="B Titr" panose="00000700000000000000" pitchFamily="2" charset="-78"/>
+              </a:rPr>
+              <a:t>11</a:t>
+            </a:fld>
+            <a:endParaRPr lang="fa-IR" sz="2000" b="1" dirty="0">
+              <a:solidFill>
+                <a:schemeClr val="accent6">
+                  <a:lumMod val="50000"/>
+                </a:schemeClr>
+              </a:solidFill>
+              <a:cs typeface="B Titr" panose="00000700000000000000" pitchFamily="2" charset="-78"/>
+            </a:endParaRPr>
+          </a:p>
+        </p:txBody>
+      </p:sp>
+      <p:sp>
+        <p:nvSpPr>
+          <p:cNvPr id="9" name="TextBox 8"/>
+          <p:cNvSpPr txBox="1"/>
+          <p:nvPr/>
+        </p:nvSpPr>
+        <p:spPr>
+          <a:xfrm>
+            <a:off x="338634" y="817572"/>
+            <a:ext cx="6272561" cy="461665"/>
+          </a:xfrm>
+          <a:prstGeom prst="rect">
+            <a:avLst/>
+          </a:prstGeom>
+          <a:noFill/>
+        </p:spPr>
+        <p:txBody>
+          <a:bodyPr wrap="square" rtlCol="1">
+            <a:spAutoFit/>
+          </a:bodyPr>
+          <a:lstStyle/>
+          <a:p>
+            <a:r>
+              <a:rPr lang="en-US" sz="2400" dirty="0" smtClean="0">
+                <a:solidFill>
+                  <a:srgbClr val="FF0000"/>
+                </a:solidFill>
+                <a:latin typeface="Adobe Arabic" panose="02040503050201020203" pitchFamily="18" charset="-78"/>
+                <a:cs typeface="Adobe Arabic" panose="02040503050201020203" pitchFamily="18" charset="-78"/>
+              </a:rPr>
+              <a:t>while</a:t>
+            </a:r>
+            <a:endParaRPr lang="fa-IR" sz="2400" dirty="0">
+              <a:solidFill>
+                <a:srgbClr val="FF0000"/>
+              </a:solidFill>
+              <a:latin typeface="Adobe Arabic" panose="02040503050201020203" pitchFamily="18" charset="-78"/>
+              <a:cs typeface="Adobe Arabic" panose="02040503050201020203" pitchFamily="18" charset="-78"/>
+            </a:endParaRPr>
+          </a:p>
+        </p:txBody>
+      </p:sp>
+      <p:pic>
+        <p:nvPicPr>
+          <p:cNvPr id="3" name="Picture 2"/>
+          <p:cNvPicPr>
+            <a:picLocks noChangeAspect="1"/>
+          </p:cNvPicPr>
+          <p:nvPr/>
+        </p:nvPicPr>
+        <p:blipFill>
+          <a:blip r:embed="rId3"/>
+          <a:stretch>
+            <a:fillRect/>
+          </a:stretch>
+        </p:blipFill>
+        <p:spPr>
+          <a:xfrm>
+            <a:off x="7886710" y="1886089"/>
+            <a:ext cx="2087873" cy="1717683"/>
+          </a:xfrm>
+          <a:prstGeom prst="rect">
+            <a:avLst/>
+          </a:prstGeom>
+        </p:spPr>
+      </p:pic>
+      <p:pic>
+        <p:nvPicPr>
+          <p:cNvPr id="6" name="Picture 5"/>
+          <p:cNvPicPr>
+            <a:picLocks noChangeAspect="1"/>
+          </p:cNvPicPr>
+          <p:nvPr/>
+        </p:nvPicPr>
+        <p:blipFill>
+          <a:blip r:embed="rId4"/>
+          <a:stretch>
+            <a:fillRect/>
+          </a:stretch>
+        </p:blipFill>
+        <p:spPr>
+          <a:xfrm>
+            <a:off x="8210690" y="3603772"/>
+            <a:ext cx="719957" cy="1841750"/>
+          </a:xfrm>
+          <a:prstGeom prst="rect">
+            <a:avLst/>
+          </a:prstGeom>
+        </p:spPr>
+      </p:pic>
+      <p:pic>
+        <p:nvPicPr>
+          <p:cNvPr id="7" name="Picture 6"/>
+          <p:cNvPicPr>
+            <a:picLocks noChangeAspect="1"/>
+          </p:cNvPicPr>
+          <p:nvPr/>
+        </p:nvPicPr>
+        <p:blipFill>
+          <a:blip r:embed="rId5"/>
+          <a:stretch>
+            <a:fillRect/>
+          </a:stretch>
+        </p:blipFill>
+        <p:spPr>
+          <a:xfrm>
+            <a:off x="1258625" y="1346857"/>
+            <a:ext cx="2359398" cy="1499903"/>
+          </a:xfrm>
+          <a:prstGeom prst="rect">
+            <a:avLst/>
+          </a:prstGeom>
+        </p:spPr>
+      </p:pic>
+      <p:pic>
+        <p:nvPicPr>
+          <p:cNvPr id="8" name="Picture 7"/>
+          <p:cNvPicPr>
+            <a:picLocks noChangeAspect="1"/>
+          </p:cNvPicPr>
+          <p:nvPr/>
+        </p:nvPicPr>
+        <p:blipFill>
+          <a:blip r:embed="rId6"/>
+          <a:stretch>
+            <a:fillRect/>
+          </a:stretch>
+        </p:blipFill>
+        <p:spPr>
+          <a:xfrm>
+            <a:off x="2074127" y="2964638"/>
+            <a:ext cx="962455" cy="2245729"/>
+          </a:xfrm>
+          <a:prstGeom prst="rect">
+            <a:avLst/>
+          </a:prstGeom>
+        </p:spPr>
+      </p:pic>
+      <p:sp>
+        <p:nvSpPr>
+          <p:cNvPr id="14" name="TextBox 13"/>
+          <p:cNvSpPr txBox="1"/>
+          <p:nvPr/>
+        </p:nvSpPr>
+        <p:spPr>
+          <a:xfrm>
+            <a:off x="7658522" y="1444813"/>
+            <a:ext cx="2316061" cy="461665"/>
+          </a:xfrm>
+          <a:prstGeom prst="rect">
+            <a:avLst/>
+          </a:prstGeom>
+          <a:noFill/>
+        </p:spPr>
+        <p:txBody>
+          <a:bodyPr wrap="square" rtlCol="1">
+            <a:spAutoFit/>
+          </a:bodyPr>
+          <a:lstStyle/>
+          <a:p>
+            <a:r>
+              <a:rPr lang="en-US" sz="2400" dirty="0" smtClean="0">
+                <a:solidFill>
+                  <a:srgbClr val="7030A0"/>
+                </a:solidFill>
+                <a:latin typeface="Adobe Arabic" panose="02040503050201020203" pitchFamily="18" charset="-78"/>
+                <a:cs typeface="Adobe Arabic" panose="02040503050201020203" pitchFamily="18" charset="-78"/>
+              </a:rPr>
+              <a:t>Fibonacci </a:t>
+            </a:r>
+            <a:r>
+              <a:rPr lang="en-US" sz="2400" dirty="0" smtClean="0">
+                <a:solidFill>
+                  <a:srgbClr val="7030A0"/>
+                </a:solidFill>
+                <a:latin typeface="Adobe Arabic" panose="02040503050201020203" pitchFamily="18" charset="-78"/>
+                <a:cs typeface="Adobe Arabic" panose="02040503050201020203" pitchFamily="18" charset="-78"/>
+              </a:rPr>
+              <a:t>series: </a:t>
+            </a:r>
+            <a:endParaRPr lang="fa-IR" sz="2400" dirty="0">
+              <a:solidFill>
+                <a:srgbClr val="7030A0"/>
+              </a:solidFill>
+              <a:latin typeface="Adobe Arabic" panose="02040503050201020203" pitchFamily="18" charset="-78"/>
+              <a:cs typeface="Adobe Arabic" panose="02040503050201020203" pitchFamily="18" charset="-78"/>
+            </a:endParaRPr>
+          </a:p>
+        </p:txBody>
+      </p:sp>
+    </p:spTree>
+    <p:extLst>
+      <p:ext uri="{BB962C8B-B14F-4D97-AF65-F5344CB8AC3E}">
+        <p14:creationId xmlns:p14="http://schemas.microsoft.com/office/powerpoint/2010/main" val="664598121"/>
       </p:ext>
     </p:extLst>
   </p:cSld>
